--- a/Trabalho_5/Trabalho 5  Mineração_de_Dados.pptx
+++ b/Trabalho_5/Trabalho 5  Mineração_de_Dados.pptx
@@ -5,7 +5,7 @@
     <p:sldMasterId id="2147483648" r:id="rId1"/>
   </p:sldMasterIdLst>
   <p:notesMasterIdLst>
-    <p:notesMasterId r:id="rId21"/>
+    <p:notesMasterId r:id="rId20"/>
   </p:notesMasterIdLst>
   <p:sldIdLst>
     <p:sldId id="256" r:id="rId2"/>
@@ -17,16 +17,15 @@
     <p:sldId id="259" r:id="rId8"/>
     <p:sldId id="267" r:id="rId9"/>
     <p:sldId id="294" r:id="rId10"/>
-    <p:sldId id="295" r:id="rId11"/>
-    <p:sldId id="296" r:id="rId12"/>
-    <p:sldId id="297" r:id="rId13"/>
-    <p:sldId id="298" r:id="rId14"/>
-    <p:sldId id="299" r:id="rId15"/>
-    <p:sldId id="300" r:id="rId16"/>
-    <p:sldId id="301" r:id="rId17"/>
-    <p:sldId id="302" r:id="rId18"/>
-    <p:sldId id="290" r:id="rId19"/>
-    <p:sldId id="291" r:id="rId20"/>
+    <p:sldId id="296" r:id="rId11"/>
+    <p:sldId id="297" r:id="rId12"/>
+    <p:sldId id="298" r:id="rId13"/>
+    <p:sldId id="299" r:id="rId14"/>
+    <p:sldId id="300" r:id="rId15"/>
+    <p:sldId id="301" r:id="rId16"/>
+    <p:sldId id="302" r:id="rId17"/>
+    <p:sldId id="290" r:id="rId18"/>
+    <p:sldId id="291" r:id="rId19"/>
   </p:sldIdLst>
   <p:sldSz cx="10080625" cy="5670550"/>
   <p:notesSz cx="7559675" cy="10691813"/>
@@ -726,7 +725,7 @@
     </p:spTree>
     <p:extLst>
       <p:ext uri="{BB962C8B-B14F-4D97-AF65-F5344CB8AC3E}">
-        <p14:creationId xmlns:p14="http://schemas.microsoft.com/office/powerpoint/2010/main" val="1646808941"/>
+        <p14:creationId xmlns:p14="http://schemas.microsoft.com/office/powerpoint/2010/main" val="4069244767"/>
       </p:ext>
     </p:extLst>
   </p:cSld>
@@ -861,7 +860,7 @@
     </p:spTree>
     <p:extLst>
       <p:ext uri="{BB962C8B-B14F-4D97-AF65-F5344CB8AC3E}">
-        <p14:creationId xmlns:p14="http://schemas.microsoft.com/office/powerpoint/2010/main" val="4069244767"/>
+        <p14:creationId xmlns:p14="http://schemas.microsoft.com/office/powerpoint/2010/main" val="2528249540"/>
       </p:ext>
     </p:extLst>
   </p:cSld>
@@ -996,7 +995,7 @@
     </p:spTree>
     <p:extLst>
       <p:ext uri="{BB962C8B-B14F-4D97-AF65-F5344CB8AC3E}">
-        <p14:creationId xmlns:p14="http://schemas.microsoft.com/office/powerpoint/2010/main" val="2528249540"/>
+        <p14:creationId xmlns:p14="http://schemas.microsoft.com/office/powerpoint/2010/main" val="3311129002"/>
       </p:ext>
     </p:extLst>
   </p:cSld>
@@ -1025,7 +1024,7 @@
       </p:grpSpPr>
       <p:sp>
         <p:nvSpPr>
-          <p:cNvPr id="225" name="PlaceHolder 1"/>
+          <p:cNvPr id="249" name="PlaceHolder 1"/>
           <p:cNvSpPr>
             <a:spLocks noGrp="1" noRot="1" noChangeAspect="1"/>
           </p:cNvSpPr>
@@ -1045,7 +1044,7 @@
       </p:sp>
       <p:sp>
         <p:nvSpPr>
-          <p:cNvPr id="226" name="PlaceHolder 2"/>
+          <p:cNvPr id="250" name="PlaceHolder 2"/>
           <p:cNvSpPr>
             <a:spLocks noGrp="1"/>
           </p:cNvSpPr>
@@ -1076,7 +1075,7 @@
       </p:sp>
       <p:sp>
         <p:nvSpPr>
-          <p:cNvPr id="227" name="CustomShape 3"/>
+          <p:cNvPr id="251" name="CustomShape 3"/>
           <p:cNvSpPr/>
           <p:nvPr/>
         </p:nvSpPr>
@@ -1116,146 +1115,11 @@
                 <a:spcPct val="100000"/>
               </a:lnSpc>
             </a:pPr>
-            <a:fld id="{DACFA271-D69E-4DE6-A900-98DE0CE18A7D}" type="slidenum">
-              <a:rPr lang="en-US" sz="1200" b="0" strike="noStrike" spc="-1">
-                <a:latin typeface="Times New Roman"/>
-              </a:rPr>
-              <a:t>17</a:t>
-            </a:fld>
-            <a:endParaRPr lang="pt-BR" sz="1200" b="0" strike="noStrike" spc="-1">
-              <a:latin typeface="Arial"/>
-            </a:endParaRPr>
-          </a:p>
-        </p:txBody>
-      </p:sp>
-    </p:spTree>
-    <p:extLst>
-      <p:ext uri="{BB962C8B-B14F-4D97-AF65-F5344CB8AC3E}">
-        <p14:creationId xmlns:p14="http://schemas.microsoft.com/office/powerpoint/2010/main" val="3311129002"/>
-      </p:ext>
-    </p:extLst>
-  </p:cSld>
-  <p:clrMapOvr>
-    <a:masterClrMapping/>
-  </p:clrMapOvr>
-</p:notes>
-</file>
-
-<file path=ppt/notesSlides/notesSlide14.xml><?xml version="1.0" encoding="utf-8"?>
-<p:notes xmlns:a="http://schemas.openxmlformats.org/drawingml/2006/main" xmlns:r="http://schemas.openxmlformats.org/officeDocument/2006/relationships" xmlns:p="http://schemas.openxmlformats.org/presentationml/2006/main">
-  <p:cSld>
-    <p:spTree>
-      <p:nvGrpSpPr>
-        <p:cNvPr id="1" name=""/>
-        <p:cNvGrpSpPr/>
-        <p:nvPr/>
-      </p:nvGrpSpPr>
-      <p:grpSpPr>
-        <a:xfrm>
-          <a:off x="0" y="0"/>
-          <a:ext cx="0" cy="0"/>
-          <a:chOff x="0" y="0"/>
-          <a:chExt cx="0" cy="0"/>
-        </a:xfrm>
-      </p:grpSpPr>
-      <p:sp>
-        <p:nvSpPr>
-          <p:cNvPr id="249" name="PlaceHolder 1"/>
-          <p:cNvSpPr>
-            <a:spLocks noGrp="1" noRot="1" noChangeAspect="1"/>
-          </p:cNvSpPr>
-          <p:nvPr>
-            <p:ph type="sldImg"/>
-          </p:nvPr>
-        </p:nvSpPr>
-        <p:spPr>
-          <a:xfrm>
-            <a:off x="574675" y="1336675"/>
-            <a:ext cx="6410325" cy="3606800"/>
-          </a:xfrm>
-          <a:prstGeom prst="rect">
-            <a:avLst/>
-          </a:prstGeom>
-        </p:spPr>
-      </p:sp>
-      <p:sp>
-        <p:nvSpPr>
-          <p:cNvPr id="250" name="PlaceHolder 2"/>
-          <p:cNvSpPr>
-            <a:spLocks noGrp="1"/>
-          </p:cNvSpPr>
-          <p:nvPr>
-            <p:ph type="body"/>
-          </p:nvPr>
-        </p:nvSpPr>
-        <p:spPr>
-          <a:xfrm>
-            <a:off x="755640" y="5145120"/>
-            <a:ext cx="6047640" cy="4209480"/>
-          </a:xfrm>
-          <a:prstGeom prst="rect">
-            <a:avLst/>
-          </a:prstGeom>
-        </p:spPr>
-        <p:txBody>
-          <a:bodyPr lIns="0" tIns="0" rIns="0" bIns="0">
-            <a:noAutofit/>
-          </a:bodyPr>
-          <a:lstStyle/>
-          <a:p>
-            <a:endParaRPr lang="pt-BR" sz="2000" b="0" strike="noStrike" spc="-1">
-              <a:latin typeface="Arial"/>
-            </a:endParaRPr>
-          </a:p>
-        </p:txBody>
-      </p:sp>
-      <p:sp>
-        <p:nvSpPr>
-          <p:cNvPr id="251" name="CustomShape 3"/>
-          <p:cNvSpPr/>
-          <p:nvPr/>
-        </p:nvSpPr>
-        <p:spPr>
-          <a:xfrm>
-            <a:off x="4281480" y="10155240"/>
-            <a:ext cx="3276000" cy="535680"/>
-          </a:xfrm>
-          <a:prstGeom prst="rect">
-            <a:avLst/>
-          </a:prstGeom>
-          <a:noFill/>
-          <a:ln w="0">
-            <a:noFill/>
-          </a:ln>
-        </p:spPr>
-        <p:style>
-          <a:lnRef idx="0">
-            <a:scrgbClr r="0" g="0" b="0"/>
-          </a:lnRef>
-          <a:fillRef idx="0">
-            <a:scrgbClr r="0" g="0" b="0"/>
-          </a:fillRef>
-          <a:effectRef idx="0">
-            <a:scrgbClr r="0" g="0" b="0"/>
-          </a:effectRef>
-          <a:fontRef idx="minor"/>
-        </p:style>
-        <p:txBody>
-          <a:bodyPr lIns="90000" tIns="45000" rIns="90000" bIns="45000" anchor="b">
-            <a:noAutofit/>
-          </a:bodyPr>
-          <a:lstStyle/>
-          <a:p>
-            <a:pPr algn="r">
-              <a:lnSpc>
-                <a:spcPct val="100000"/>
-              </a:lnSpc>
-            </a:pPr>
             <a:fld id="{1291B5C1-62CB-4139-8DA5-CFC5EAA21F2C}" type="slidenum">
               <a:rPr lang="en-US" sz="1200" b="0" strike="noStrike" spc="-1">
                 <a:latin typeface="Times New Roman"/>
               </a:rPr>
-              <a:t>19</a:t>
+              <a:t>18</a:t>
             </a:fld>
             <a:endParaRPr lang="pt-BR" sz="1200" b="0" strike="noStrike" spc="-1">
               <a:latin typeface="Arial"/>
@@ -1921,7 +1785,7 @@
     </p:spTree>
     <p:extLst>
       <p:ext uri="{BB962C8B-B14F-4D97-AF65-F5344CB8AC3E}">
-        <p14:creationId xmlns:p14="http://schemas.microsoft.com/office/powerpoint/2010/main" val="2630582849"/>
+        <p14:creationId xmlns:p14="http://schemas.microsoft.com/office/powerpoint/2010/main" val="879985939"/>
       </p:ext>
     </p:extLst>
   </p:cSld>
@@ -2056,7 +1920,7 @@
     </p:spTree>
     <p:extLst>
       <p:ext uri="{BB962C8B-B14F-4D97-AF65-F5344CB8AC3E}">
-        <p14:creationId xmlns:p14="http://schemas.microsoft.com/office/powerpoint/2010/main" val="879985939"/>
+        <p14:creationId xmlns:p14="http://schemas.microsoft.com/office/powerpoint/2010/main" val="1423136272"/>
       </p:ext>
     </p:extLst>
   </p:cSld>
@@ -2191,7 +2055,7 @@
     </p:spTree>
     <p:extLst>
       <p:ext uri="{BB962C8B-B14F-4D97-AF65-F5344CB8AC3E}">
-        <p14:creationId xmlns:p14="http://schemas.microsoft.com/office/powerpoint/2010/main" val="1423136272"/>
+        <p14:creationId xmlns:p14="http://schemas.microsoft.com/office/powerpoint/2010/main" val="2558780073"/>
       </p:ext>
     </p:extLst>
   </p:cSld>
@@ -2326,7 +2190,7 @@
     </p:spTree>
     <p:extLst>
       <p:ext uri="{BB962C8B-B14F-4D97-AF65-F5344CB8AC3E}">
-        <p14:creationId xmlns:p14="http://schemas.microsoft.com/office/powerpoint/2010/main" val="2558780073"/>
+        <p14:creationId xmlns:p14="http://schemas.microsoft.com/office/powerpoint/2010/main" val="1646808941"/>
       </p:ext>
     </p:extLst>
   </p:cSld>
@@ -4710,18 +4574,116 @@
                 <a:latin typeface="Arial"/>
                 <a:ea typeface="DejaVu Sans"/>
               </a:rPr>
-              <a:t>Classe majoritária</a:t>
+              <a:t>Árvore de decisão</a:t>
             </a:r>
             <a:endParaRPr lang="pt-BR" sz="2800" b="0" strike="noStrike" spc="-1" dirty="0">
               <a:latin typeface="Arial"/>
             </a:endParaRPr>
+          </a:p>
+        </p:txBody>
+      </p:sp>
+      <p:pic>
+        <p:nvPicPr>
+          <p:cNvPr id="3" name="Imagem 2">
+            <a:extLst>
+              <a:ext uri="{FF2B5EF4-FFF2-40B4-BE49-F238E27FC236}">
+                <a16:creationId xmlns:a16="http://schemas.microsoft.com/office/drawing/2014/main" id="{152E1AE3-9781-89A4-7098-01AE17754783}"/>
+              </a:ext>
+            </a:extLst>
+          </p:cNvPr>
+          <p:cNvPicPr>
+            <a:picLocks noChangeAspect="1"/>
+          </p:cNvPicPr>
+          <p:nvPr/>
+        </p:nvPicPr>
+        <p:blipFill>
+          <a:blip r:embed="rId3"/>
+          <a:stretch>
+            <a:fillRect/>
+          </a:stretch>
+        </p:blipFill>
+        <p:spPr>
+          <a:xfrm>
+            <a:off x="2107260" y="780250"/>
+            <a:ext cx="5864400" cy="1158127"/>
+          </a:xfrm>
+          <a:prstGeom prst="rect">
+            <a:avLst/>
+          </a:prstGeom>
+        </p:spPr>
+      </p:pic>
+      <p:pic>
+        <p:nvPicPr>
+          <p:cNvPr id="6" name="Imagem 5">
+            <a:extLst>
+              <a:ext uri="{FF2B5EF4-FFF2-40B4-BE49-F238E27FC236}">
+                <a16:creationId xmlns:a16="http://schemas.microsoft.com/office/drawing/2014/main" id="{2F88FC48-79F3-C231-9A68-533A41DB9DB0}"/>
+              </a:ext>
+            </a:extLst>
+          </p:cNvPr>
+          <p:cNvPicPr>
+            <a:picLocks noChangeAspect="1"/>
+          </p:cNvPicPr>
+          <p:nvPr/>
+        </p:nvPicPr>
+        <p:blipFill rotWithShape="1">
+          <a:blip r:embed="rId4"/>
+          <a:srcRect t="17087"/>
+          <a:stretch/>
+        </p:blipFill>
+        <p:spPr>
+          <a:xfrm>
+            <a:off x="1469966" y="2318657"/>
+            <a:ext cx="7138987" cy="3351893"/>
+          </a:xfrm>
+          <a:prstGeom prst="rect">
+            <a:avLst/>
+          </a:prstGeom>
+        </p:spPr>
+      </p:pic>
+      <p:sp>
+        <p:nvSpPr>
+          <p:cNvPr id="2" name="CaixaDeTexto 1">
+            <a:extLst>
+              <a:ext uri="{FF2B5EF4-FFF2-40B4-BE49-F238E27FC236}">
+                <a16:creationId xmlns:a16="http://schemas.microsoft.com/office/drawing/2014/main" id="{80873A38-B872-EFF7-4745-AA17246484A5}"/>
+              </a:ext>
+            </a:extLst>
+          </p:cNvPr>
+          <p:cNvSpPr txBox="1"/>
+          <p:nvPr/>
+        </p:nvSpPr>
+        <p:spPr>
+          <a:xfrm>
+            <a:off x="3845379" y="1949325"/>
+            <a:ext cx="1640321" cy="369332"/>
+          </a:xfrm>
+          <a:prstGeom prst="rect">
+            <a:avLst/>
+          </a:prstGeom>
+          <a:noFill/>
+        </p:spPr>
+        <p:txBody>
+          <a:bodyPr wrap="none" rtlCol="0">
+            <a:spAutoFit/>
+          </a:bodyPr>
+          <a:lstStyle/>
+          <a:p>
+            <a:r>
+              <a:rPr lang="en-US" dirty="0" err="1"/>
+              <a:t>Treino</a:t>
+            </a:r>
+            <a:r>
+              <a:rPr lang="en-US" dirty="0"/>
+              <a:t> = Teste</a:t>
+            </a:r>
           </a:p>
         </p:txBody>
       </p:sp>
     </p:spTree>
     <p:extLst>
       <p:ext uri="{BB962C8B-B14F-4D97-AF65-F5344CB8AC3E}">
-        <p14:creationId xmlns:p14="http://schemas.microsoft.com/office/powerpoint/2010/main" val="3830050115"/>
+        <p14:creationId xmlns:p14="http://schemas.microsoft.com/office/powerpoint/2010/main" val="552954883"/>
       </p:ext>
     </p:extLst>
   </p:cSld>
@@ -4794,6 +4756,16 @@
               </a:spcAft>
             </a:pPr>
             <a:r>
+              <a:rPr lang="pt-BR" sz="2800" b="1" strike="noStrike" spc="-1" dirty="0" err="1">
+                <a:solidFill>
+                  <a:srgbClr val="000000"/>
+                </a:solidFill>
+                <a:latin typeface="Arial"/>
+                <a:ea typeface="DejaVu Sans"/>
+              </a:rPr>
+              <a:t>Naive</a:t>
+            </a:r>
+            <a:r>
               <a:rPr lang="pt-BR" sz="2800" b="1" strike="noStrike" spc="-1" dirty="0">
                 <a:solidFill>
                   <a:srgbClr val="000000"/>
@@ -4801,18 +4773,187 @@
                 <a:latin typeface="Arial"/>
                 <a:ea typeface="DejaVu Sans"/>
               </a:rPr>
-              <a:t>Árvore de decisão</a:t>
+              <a:t> </a:t>
+            </a:r>
+            <a:r>
+              <a:rPr lang="pt-BR" sz="2800" b="1" strike="noStrike" spc="-1" dirty="0" err="1">
+                <a:solidFill>
+                  <a:srgbClr val="000000"/>
+                </a:solidFill>
+                <a:latin typeface="Arial"/>
+                <a:ea typeface="DejaVu Sans"/>
+              </a:rPr>
+              <a:t>Bayes</a:t>
             </a:r>
             <a:endParaRPr lang="pt-BR" sz="2800" b="0" strike="noStrike" spc="-1" dirty="0">
               <a:latin typeface="Arial"/>
             </a:endParaRPr>
+          </a:p>
+        </p:txBody>
+      </p:sp>
+      <p:pic>
+        <p:nvPicPr>
+          <p:cNvPr id="3" name="Imagem 2">
+            <a:extLst>
+              <a:ext uri="{FF2B5EF4-FFF2-40B4-BE49-F238E27FC236}">
+                <a16:creationId xmlns:a16="http://schemas.microsoft.com/office/drawing/2014/main" id="{A6E01294-C290-08C5-E8CC-290DBDDF8274}"/>
+              </a:ext>
+            </a:extLst>
+          </p:cNvPr>
+          <p:cNvPicPr>
+            <a:picLocks noChangeAspect="1"/>
+          </p:cNvPicPr>
+          <p:nvPr/>
+        </p:nvPicPr>
+        <p:blipFill>
+          <a:blip r:embed="rId3"/>
+          <a:stretch>
+            <a:fillRect/>
+          </a:stretch>
+        </p:blipFill>
+        <p:spPr>
+          <a:xfrm>
+            <a:off x="1993761" y="754833"/>
+            <a:ext cx="5966418" cy="1181091"/>
+          </a:xfrm>
+          <a:prstGeom prst="rect">
+            <a:avLst/>
+          </a:prstGeom>
+        </p:spPr>
+      </p:pic>
+      <p:pic>
+        <p:nvPicPr>
+          <p:cNvPr id="4" name="Imagem 3">
+            <a:extLst>
+              <a:ext uri="{FF2B5EF4-FFF2-40B4-BE49-F238E27FC236}">
+                <a16:creationId xmlns:a16="http://schemas.microsoft.com/office/drawing/2014/main" id="{5929168F-3D28-35AF-B1E7-E3C7E1F4FF8B}"/>
+              </a:ext>
+            </a:extLst>
+          </p:cNvPr>
+          <p:cNvPicPr>
+            <a:picLocks noChangeAspect="1"/>
+          </p:cNvPicPr>
+          <p:nvPr/>
+        </p:nvPicPr>
+        <p:blipFill rotWithShape="1">
+          <a:blip r:embed="rId4"/>
+          <a:srcRect t="18706" r="4999"/>
+          <a:stretch/>
+        </p:blipFill>
+        <p:spPr>
+          <a:xfrm>
+            <a:off x="5040625" y="2451554"/>
+            <a:ext cx="5040000" cy="2362812"/>
+          </a:xfrm>
+          <a:prstGeom prst="rect">
+            <a:avLst/>
+          </a:prstGeom>
+        </p:spPr>
+      </p:pic>
+      <p:pic>
+        <p:nvPicPr>
+          <p:cNvPr id="6" name="Imagem 5">
+            <a:extLst>
+              <a:ext uri="{FF2B5EF4-FFF2-40B4-BE49-F238E27FC236}">
+                <a16:creationId xmlns:a16="http://schemas.microsoft.com/office/drawing/2014/main" id="{CF816EAE-8BA4-D045-B0F6-433F74B89BF3}"/>
+              </a:ext>
+            </a:extLst>
+          </p:cNvPr>
+          <p:cNvPicPr>
+            <a:picLocks noChangeAspect="1"/>
+          </p:cNvPicPr>
+          <p:nvPr/>
+        </p:nvPicPr>
+        <p:blipFill rotWithShape="1">
+          <a:blip r:embed="rId5"/>
+          <a:srcRect t="18389" r="5335"/>
+          <a:stretch/>
+        </p:blipFill>
+        <p:spPr>
+          <a:xfrm>
+            <a:off x="0" y="2491166"/>
+            <a:ext cx="5040000" cy="2424551"/>
+          </a:xfrm>
+          <a:prstGeom prst="rect">
+            <a:avLst/>
+          </a:prstGeom>
+        </p:spPr>
+      </p:pic>
+      <p:sp>
+        <p:nvSpPr>
+          <p:cNvPr id="2" name="CaixaDeTexto 1">
+            <a:extLst>
+              <a:ext uri="{FF2B5EF4-FFF2-40B4-BE49-F238E27FC236}">
+                <a16:creationId xmlns:a16="http://schemas.microsoft.com/office/drawing/2014/main" id="{11030252-A075-532A-453B-F85DCFF8DC1A}"/>
+              </a:ext>
+            </a:extLst>
+          </p:cNvPr>
+          <p:cNvSpPr txBox="1"/>
+          <p:nvPr/>
+        </p:nvSpPr>
+        <p:spPr>
+          <a:xfrm>
+            <a:off x="7494815" y="2082222"/>
+            <a:ext cx="736164" cy="369332"/>
+          </a:xfrm>
+          <a:prstGeom prst="rect">
+            <a:avLst/>
+          </a:prstGeom>
+          <a:noFill/>
+        </p:spPr>
+        <p:txBody>
+          <a:bodyPr wrap="none" rtlCol="0">
+            <a:spAutoFit/>
+          </a:bodyPr>
+          <a:lstStyle/>
+          <a:p>
+            <a:r>
+              <a:rPr lang="en-US" dirty="0"/>
+              <a:t>Teste</a:t>
+            </a:r>
+          </a:p>
+        </p:txBody>
+      </p:sp>
+      <p:sp>
+        <p:nvSpPr>
+          <p:cNvPr id="7" name="CaixaDeTexto 6">
+            <a:extLst>
+              <a:ext uri="{FF2B5EF4-FFF2-40B4-BE49-F238E27FC236}">
+                <a16:creationId xmlns:a16="http://schemas.microsoft.com/office/drawing/2014/main" id="{9220E5A1-694F-0F55-AAAF-AF431310F959}"/>
+              </a:ext>
+            </a:extLst>
+          </p:cNvPr>
+          <p:cNvSpPr txBox="1"/>
+          <p:nvPr/>
+        </p:nvSpPr>
+        <p:spPr>
+          <a:xfrm>
+            <a:off x="2075542" y="2082222"/>
+            <a:ext cx="1020535" cy="369332"/>
+          </a:xfrm>
+          <a:prstGeom prst="rect">
+            <a:avLst/>
+          </a:prstGeom>
+          <a:noFill/>
+        </p:spPr>
+        <p:txBody>
+          <a:bodyPr wrap="square">
+            <a:spAutoFit/>
+          </a:bodyPr>
+          <a:lstStyle/>
+          <a:p>
+            <a:r>
+              <a:rPr lang="en-US" dirty="0" err="1"/>
+              <a:t>Treino</a:t>
+            </a:r>
+            <a:endParaRPr lang="en-US" dirty="0"/>
           </a:p>
         </p:txBody>
       </p:sp>
     </p:spTree>
     <p:extLst>
       <p:ext uri="{BB962C8B-B14F-4D97-AF65-F5344CB8AC3E}">
-        <p14:creationId xmlns:p14="http://schemas.microsoft.com/office/powerpoint/2010/main" val="552954883"/>
+        <p14:creationId xmlns:p14="http://schemas.microsoft.com/office/powerpoint/2010/main" val="4031595422"/>
       </p:ext>
     </p:extLst>
   </p:cSld>
@@ -4892,7 +5033,7 @@
                 <a:latin typeface="Arial"/>
                 <a:ea typeface="DejaVu Sans"/>
               </a:rPr>
-              <a:t>Naive</a:t>
+              <a:t>Ramdom</a:t>
             </a:r>
             <a:r>
               <a:rPr lang="pt-BR" sz="2800" b="1" strike="noStrike" spc="-1" dirty="0">
@@ -4902,28 +5043,176 @@
                 <a:latin typeface="Arial"/>
                 <a:ea typeface="DejaVu Sans"/>
               </a:rPr>
-              <a:t> </a:t>
-            </a:r>
-            <a:r>
-              <a:rPr lang="pt-BR" sz="2800" b="1" strike="noStrike" spc="-1" dirty="0" err="1">
-                <a:solidFill>
-                  <a:srgbClr val="000000"/>
-                </a:solidFill>
-                <a:latin typeface="Arial"/>
-                <a:ea typeface="DejaVu Sans"/>
-              </a:rPr>
-              <a:t>Bayes</a:t>
+              <a:t> Forest</a:t>
             </a:r>
             <a:endParaRPr lang="pt-BR" sz="2800" b="0" strike="noStrike" spc="-1" dirty="0">
               <a:latin typeface="Arial"/>
             </a:endParaRPr>
+          </a:p>
+        </p:txBody>
+      </p:sp>
+      <p:pic>
+        <p:nvPicPr>
+          <p:cNvPr id="3" name="Imagem 2">
+            <a:extLst>
+              <a:ext uri="{FF2B5EF4-FFF2-40B4-BE49-F238E27FC236}">
+                <a16:creationId xmlns:a16="http://schemas.microsoft.com/office/drawing/2014/main" id="{1D35CFF0-4B16-6591-9D8C-EA8692320378}"/>
+              </a:ext>
+            </a:extLst>
+          </p:cNvPr>
+          <p:cNvPicPr>
+            <a:picLocks noChangeAspect="1"/>
+          </p:cNvPicPr>
+          <p:nvPr/>
+        </p:nvPicPr>
+        <p:blipFill rotWithShape="1">
+          <a:blip r:embed="rId3"/>
+          <a:srcRect t="18563" r="5292"/>
+          <a:stretch/>
+        </p:blipFill>
+        <p:spPr>
+          <a:xfrm>
+            <a:off x="5040625" y="2835274"/>
+            <a:ext cx="5040000" cy="2387814"/>
+          </a:xfrm>
+          <a:prstGeom prst="rect">
+            <a:avLst/>
+          </a:prstGeom>
+        </p:spPr>
+      </p:pic>
+      <p:pic>
+        <p:nvPicPr>
+          <p:cNvPr id="5" name="Imagem 4">
+            <a:extLst>
+              <a:ext uri="{FF2B5EF4-FFF2-40B4-BE49-F238E27FC236}">
+                <a16:creationId xmlns:a16="http://schemas.microsoft.com/office/drawing/2014/main" id="{68B46D2F-303F-F293-972C-13CFBD2E985A}"/>
+              </a:ext>
+            </a:extLst>
+          </p:cNvPr>
+          <p:cNvPicPr>
+            <a:picLocks noChangeAspect="1"/>
+          </p:cNvPicPr>
+          <p:nvPr/>
+        </p:nvPicPr>
+        <p:blipFill rotWithShape="1">
+          <a:blip r:embed="rId4"/>
+          <a:srcRect t="6292" r="2665"/>
+          <a:stretch/>
+        </p:blipFill>
+        <p:spPr>
+          <a:xfrm>
+            <a:off x="2054637" y="842303"/>
+            <a:ext cx="6409460" cy="1416000"/>
+          </a:xfrm>
+          <a:prstGeom prst="rect">
+            <a:avLst/>
+          </a:prstGeom>
+        </p:spPr>
+      </p:pic>
+      <p:pic>
+        <p:nvPicPr>
+          <p:cNvPr id="7" name="Imagem 6">
+            <a:extLst>
+              <a:ext uri="{FF2B5EF4-FFF2-40B4-BE49-F238E27FC236}">
+                <a16:creationId xmlns:a16="http://schemas.microsoft.com/office/drawing/2014/main" id="{EB9BA747-C980-90C8-5654-B23ED4798870}"/>
+              </a:ext>
+            </a:extLst>
+          </p:cNvPr>
+          <p:cNvPicPr>
+            <a:picLocks noChangeAspect="1"/>
+          </p:cNvPicPr>
+          <p:nvPr/>
+        </p:nvPicPr>
+        <p:blipFill rotWithShape="1">
+          <a:blip r:embed="rId5"/>
+          <a:srcRect t="18563" r="4637"/>
+          <a:stretch/>
+        </p:blipFill>
+        <p:spPr>
+          <a:xfrm>
+            <a:off x="0" y="2835275"/>
+            <a:ext cx="5040000" cy="2387813"/>
+          </a:xfrm>
+          <a:prstGeom prst="rect">
+            <a:avLst/>
+          </a:prstGeom>
+        </p:spPr>
+      </p:pic>
+      <p:sp>
+        <p:nvSpPr>
+          <p:cNvPr id="2" name="CaixaDeTexto 1">
+            <a:extLst>
+              <a:ext uri="{FF2B5EF4-FFF2-40B4-BE49-F238E27FC236}">
+                <a16:creationId xmlns:a16="http://schemas.microsoft.com/office/drawing/2014/main" id="{2C1F5274-B537-74CD-6990-263ED9F9D717}"/>
+              </a:ext>
+            </a:extLst>
+          </p:cNvPr>
+          <p:cNvSpPr txBox="1"/>
+          <p:nvPr/>
+        </p:nvSpPr>
+        <p:spPr>
+          <a:xfrm>
+            <a:off x="7502979" y="2348008"/>
+            <a:ext cx="736164" cy="369332"/>
+          </a:xfrm>
+          <a:prstGeom prst="rect">
+            <a:avLst/>
+          </a:prstGeom>
+          <a:noFill/>
+        </p:spPr>
+        <p:txBody>
+          <a:bodyPr wrap="none" rtlCol="0">
+            <a:spAutoFit/>
+          </a:bodyPr>
+          <a:lstStyle/>
+          <a:p>
+            <a:r>
+              <a:rPr lang="en-US" dirty="0"/>
+              <a:t>Teste</a:t>
+            </a:r>
+          </a:p>
+        </p:txBody>
+      </p:sp>
+      <p:sp>
+        <p:nvSpPr>
+          <p:cNvPr id="4" name="CaixaDeTexto 3">
+            <a:extLst>
+              <a:ext uri="{FF2B5EF4-FFF2-40B4-BE49-F238E27FC236}">
+                <a16:creationId xmlns:a16="http://schemas.microsoft.com/office/drawing/2014/main" id="{A6895DE2-80E8-D328-5F60-D8AD5DA06440}"/>
+              </a:ext>
+            </a:extLst>
+          </p:cNvPr>
+          <p:cNvSpPr txBox="1"/>
+          <p:nvPr/>
+        </p:nvSpPr>
+        <p:spPr>
+          <a:xfrm>
+            <a:off x="2054636" y="2348008"/>
+            <a:ext cx="930728" cy="369332"/>
+          </a:xfrm>
+          <a:prstGeom prst="rect">
+            <a:avLst/>
+          </a:prstGeom>
+          <a:noFill/>
+        </p:spPr>
+        <p:txBody>
+          <a:bodyPr wrap="square">
+            <a:spAutoFit/>
+          </a:bodyPr>
+          <a:lstStyle/>
+          <a:p>
+            <a:r>
+              <a:rPr lang="en-US" dirty="0" err="1"/>
+              <a:t>Treino</a:t>
+            </a:r>
+            <a:endParaRPr lang="en-US" dirty="0"/>
           </a:p>
         </p:txBody>
       </p:sp>
     </p:spTree>
     <p:extLst>
       <p:ext uri="{BB962C8B-B14F-4D97-AF65-F5344CB8AC3E}">
-        <p14:creationId xmlns:p14="http://schemas.microsoft.com/office/powerpoint/2010/main" val="4031595422"/>
+        <p14:creationId xmlns:p14="http://schemas.microsoft.com/office/powerpoint/2010/main" val="3820153668"/>
       </p:ext>
     </p:extLst>
   </p:cSld>
@@ -4996,35 +5285,238 @@
               </a:spcAft>
             </a:pPr>
             <a:r>
-              <a:rPr lang="pt-BR" sz="2800" b="1" strike="noStrike" spc="-1" dirty="0" err="1">
+              <a:rPr lang="pt-BR" sz="2800" b="1" strike="noStrike" spc="-1" dirty="0">
                 <a:solidFill>
                   <a:srgbClr val="000000"/>
                 </a:solidFill>
                 <a:latin typeface="Arial"/>
                 <a:ea typeface="DejaVu Sans"/>
               </a:rPr>
-              <a:t>Ramdom</a:t>
-            </a:r>
-            <a:r>
-              <a:rPr lang="pt-BR" sz="2800" b="1" strike="noStrike" spc="-1" dirty="0">
+              <a:t>SVM</a:t>
+            </a:r>
+            <a:endParaRPr lang="pt-BR" sz="2800" b="0" strike="noStrike" spc="-1" dirty="0">
+              <a:latin typeface="Arial"/>
+            </a:endParaRPr>
+          </a:p>
+        </p:txBody>
+      </p:sp>
+      <p:sp>
+        <p:nvSpPr>
+          <p:cNvPr id="3" name="CaixaDeTexto 2">
+            <a:extLst>
+              <a:ext uri="{FF2B5EF4-FFF2-40B4-BE49-F238E27FC236}">
+                <a16:creationId xmlns:a16="http://schemas.microsoft.com/office/drawing/2014/main" id="{800ACB43-1230-4A88-734D-FA18902F50DB}"/>
+              </a:ext>
+            </a:extLst>
+          </p:cNvPr>
+          <p:cNvSpPr txBox="1"/>
+          <p:nvPr/>
+        </p:nvSpPr>
+        <p:spPr>
+          <a:xfrm>
+            <a:off x="269421" y="751748"/>
+            <a:ext cx="5045528" cy="341632"/>
+          </a:xfrm>
+          <a:prstGeom prst="rect">
+            <a:avLst/>
+          </a:prstGeom>
+          <a:noFill/>
+        </p:spPr>
+        <p:txBody>
+          <a:bodyPr wrap="square">
+            <a:spAutoFit/>
+          </a:bodyPr>
+          <a:lstStyle/>
+          <a:p>
+            <a:pPr marL="59040">
+              <a:lnSpc>
+                <a:spcPct val="90000"/>
+              </a:lnSpc>
+              <a:spcAft>
+                <a:spcPts val="601"/>
+              </a:spcAft>
+              <a:buClr>
+                <a:srgbClr val="000000"/>
+              </a:buClr>
+              <a:tabLst>
+                <a:tab pos="408240" algn="l"/>
+              </a:tabLst>
+            </a:pPr>
+            <a:r>
+              <a:rPr lang="pt-BR" sz="1800" b="1" spc="-1" dirty="0">
                 <a:solidFill>
                   <a:srgbClr val="000000"/>
                 </a:solidFill>
                 <a:latin typeface="Arial"/>
-                <a:ea typeface="DejaVu Sans"/>
-              </a:rPr>
-              <a:t> Forest</a:t>
-            </a:r>
-            <a:endParaRPr lang="pt-BR" sz="2800" b="0" strike="noStrike" spc="-1" dirty="0">
-              <a:latin typeface="Arial"/>
-            </a:endParaRPr>
+              </a:rPr>
+              <a:t>Execução com 10% da amostra</a:t>
+            </a:r>
+          </a:p>
+        </p:txBody>
+      </p:sp>
+      <p:pic>
+        <p:nvPicPr>
+          <p:cNvPr id="5" name="Imagem 4">
+            <a:extLst>
+              <a:ext uri="{FF2B5EF4-FFF2-40B4-BE49-F238E27FC236}">
+                <a16:creationId xmlns:a16="http://schemas.microsoft.com/office/drawing/2014/main" id="{8FC2737F-E5CF-05F2-7920-3ACE6FF9B9D6}"/>
+              </a:ext>
+            </a:extLst>
+          </p:cNvPr>
+          <p:cNvPicPr>
+            <a:picLocks noChangeAspect="1"/>
+          </p:cNvPicPr>
+          <p:nvPr/>
+        </p:nvPicPr>
+        <p:blipFill rotWithShape="1">
+          <a:blip r:embed="rId3"/>
+          <a:srcRect t="10189" r="3348"/>
+          <a:stretch/>
+        </p:blipFill>
+        <p:spPr>
+          <a:xfrm>
+            <a:off x="0" y="2330105"/>
+            <a:ext cx="5040000" cy="3334493"/>
+          </a:xfrm>
+          <a:prstGeom prst="rect">
+            <a:avLst/>
+          </a:prstGeom>
+        </p:spPr>
+      </p:pic>
+      <p:pic>
+        <p:nvPicPr>
+          <p:cNvPr id="7" name="Imagem 6">
+            <a:extLst>
+              <a:ext uri="{FF2B5EF4-FFF2-40B4-BE49-F238E27FC236}">
+                <a16:creationId xmlns:a16="http://schemas.microsoft.com/office/drawing/2014/main" id="{4B25A8D4-0D39-3C72-D3A2-1AD4FD29601F}"/>
+              </a:ext>
+            </a:extLst>
+          </p:cNvPr>
+          <p:cNvPicPr>
+            <a:picLocks noChangeAspect="1"/>
+          </p:cNvPicPr>
+          <p:nvPr/>
+        </p:nvPicPr>
+        <p:blipFill rotWithShape="1">
+          <a:blip r:embed="rId4"/>
+          <a:srcRect t="9867" r="2283"/>
+          <a:stretch/>
+        </p:blipFill>
+        <p:spPr>
+          <a:xfrm>
+            <a:off x="5038920" y="2338228"/>
+            <a:ext cx="5040000" cy="3309950"/>
+          </a:xfrm>
+          <a:prstGeom prst="rect">
+            <a:avLst/>
+          </a:prstGeom>
+        </p:spPr>
+      </p:pic>
+      <p:pic>
+        <p:nvPicPr>
+          <p:cNvPr id="9" name="Imagem 8">
+            <a:extLst>
+              <a:ext uri="{FF2B5EF4-FFF2-40B4-BE49-F238E27FC236}">
+                <a16:creationId xmlns:a16="http://schemas.microsoft.com/office/drawing/2014/main" id="{9D59287A-9686-69B5-F405-12EA3877A378}"/>
+              </a:ext>
+            </a:extLst>
+          </p:cNvPr>
+          <p:cNvPicPr>
+            <a:picLocks noChangeAspect="1"/>
+          </p:cNvPicPr>
+          <p:nvPr/>
+        </p:nvPicPr>
+        <p:blipFill>
+          <a:blip r:embed="rId5"/>
+          <a:stretch>
+            <a:fillRect/>
+          </a:stretch>
+        </p:blipFill>
+        <p:spPr>
+          <a:xfrm>
+            <a:off x="2309389" y="1154105"/>
+            <a:ext cx="5166808" cy="937341"/>
+          </a:xfrm>
+          <a:prstGeom prst="rect">
+            <a:avLst/>
+          </a:prstGeom>
+        </p:spPr>
+      </p:pic>
+      <p:sp>
+        <p:nvSpPr>
+          <p:cNvPr id="10" name="CaixaDeTexto 9">
+            <a:extLst>
+              <a:ext uri="{FF2B5EF4-FFF2-40B4-BE49-F238E27FC236}">
+                <a16:creationId xmlns:a16="http://schemas.microsoft.com/office/drawing/2014/main" id="{B61A8C97-A138-13DF-1955-24F15C1F49FE}"/>
+              </a:ext>
+            </a:extLst>
+          </p:cNvPr>
+          <p:cNvSpPr txBox="1"/>
+          <p:nvPr/>
+        </p:nvSpPr>
+        <p:spPr>
+          <a:xfrm>
+            <a:off x="7476197" y="2044756"/>
+            <a:ext cx="736164" cy="369332"/>
+          </a:xfrm>
+          <a:prstGeom prst="rect">
+            <a:avLst/>
+          </a:prstGeom>
+          <a:noFill/>
+        </p:spPr>
+        <p:txBody>
+          <a:bodyPr wrap="none" rtlCol="0">
+            <a:spAutoFit/>
+          </a:bodyPr>
+          <a:lstStyle/>
+          <a:p>
+            <a:r>
+              <a:rPr lang="en-US" dirty="0"/>
+              <a:t>Teste</a:t>
+            </a:r>
+          </a:p>
+        </p:txBody>
+      </p:sp>
+      <p:sp>
+        <p:nvSpPr>
+          <p:cNvPr id="11" name="CaixaDeTexto 10">
+            <a:extLst>
+              <a:ext uri="{FF2B5EF4-FFF2-40B4-BE49-F238E27FC236}">
+                <a16:creationId xmlns:a16="http://schemas.microsoft.com/office/drawing/2014/main" id="{1AAC2FEB-0797-C3DF-4273-F1A2F53C3B07}"/>
+              </a:ext>
+            </a:extLst>
+          </p:cNvPr>
+          <p:cNvSpPr txBox="1"/>
+          <p:nvPr/>
+        </p:nvSpPr>
+        <p:spPr>
+          <a:xfrm>
+            <a:off x="2027854" y="2044756"/>
+            <a:ext cx="930728" cy="369332"/>
+          </a:xfrm>
+          <a:prstGeom prst="rect">
+            <a:avLst/>
+          </a:prstGeom>
+          <a:noFill/>
+        </p:spPr>
+        <p:txBody>
+          <a:bodyPr wrap="square">
+            <a:spAutoFit/>
+          </a:bodyPr>
+          <a:lstStyle/>
+          <a:p>
+            <a:r>
+              <a:rPr lang="en-US" dirty="0" err="1"/>
+              <a:t>Treino</a:t>
+            </a:r>
+            <a:endParaRPr lang="en-US" dirty="0"/>
           </a:p>
         </p:txBody>
       </p:sp>
     </p:spTree>
     <p:extLst>
       <p:ext uri="{BB962C8B-B14F-4D97-AF65-F5344CB8AC3E}">
-        <p14:creationId xmlns:p14="http://schemas.microsoft.com/office/powerpoint/2010/main" val="3820153668"/>
+        <p14:creationId xmlns:p14="http://schemas.microsoft.com/office/powerpoint/2010/main" val="4119370978"/>
       </p:ext>
     </p:extLst>
   </p:cSld>
@@ -5104,18 +5596,231 @@
                 <a:latin typeface="Arial"/>
                 <a:ea typeface="DejaVu Sans"/>
               </a:rPr>
-              <a:t>SVM</a:t>
+              <a:t>KNN</a:t>
             </a:r>
             <a:endParaRPr lang="pt-BR" sz="2800" b="0" strike="noStrike" spc="-1" dirty="0">
               <a:latin typeface="Arial"/>
             </a:endParaRPr>
+          </a:p>
+        </p:txBody>
+      </p:sp>
+      <p:sp>
+        <p:nvSpPr>
+          <p:cNvPr id="2" name="CaixaDeTexto 1">
+            <a:extLst>
+              <a:ext uri="{FF2B5EF4-FFF2-40B4-BE49-F238E27FC236}">
+                <a16:creationId xmlns:a16="http://schemas.microsoft.com/office/drawing/2014/main" id="{C87C7342-19D3-D46F-91D8-1E65EB9B8D27}"/>
+              </a:ext>
+            </a:extLst>
+          </p:cNvPr>
+          <p:cNvSpPr txBox="1"/>
+          <p:nvPr/>
+        </p:nvSpPr>
+        <p:spPr>
+          <a:xfrm>
+            <a:off x="269421" y="751748"/>
+            <a:ext cx="5045528" cy="341632"/>
+          </a:xfrm>
+          <a:prstGeom prst="rect">
+            <a:avLst/>
+          </a:prstGeom>
+          <a:noFill/>
+        </p:spPr>
+        <p:txBody>
+          <a:bodyPr wrap="square">
+            <a:spAutoFit/>
+          </a:bodyPr>
+          <a:lstStyle/>
+          <a:p>
+            <a:pPr marL="59040">
+              <a:lnSpc>
+                <a:spcPct val="90000"/>
+              </a:lnSpc>
+              <a:spcAft>
+                <a:spcPts val="601"/>
+              </a:spcAft>
+              <a:buClr>
+                <a:srgbClr val="000000"/>
+              </a:buClr>
+              <a:tabLst>
+                <a:tab pos="408240" algn="l"/>
+              </a:tabLst>
+            </a:pPr>
+            <a:r>
+              <a:rPr lang="pt-BR" sz="1800" b="1" spc="-1" dirty="0">
+                <a:solidFill>
+                  <a:srgbClr val="000000"/>
+                </a:solidFill>
+                <a:latin typeface="Arial"/>
+              </a:rPr>
+              <a:t>Execução com 10% da amostra</a:t>
+            </a:r>
+          </a:p>
+        </p:txBody>
+      </p:sp>
+      <p:pic>
+        <p:nvPicPr>
+          <p:cNvPr id="4" name="Imagem 3">
+            <a:extLst>
+              <a:ext uri="{FF2B5EF4-FFF2-40B4-BE49-F238E27FC236}">
+                <a16:creationId xmlns:a16="http://schemas.microsoft.com/office/drawing/2014/main" id="{3CC1A621-4F2C-D1F3-B8BE-E8CF849EBA25}"/>
+              </a:ext>
+            </a:extLst>
+          </p:cNvPr>
+          <p:cNvPicPr>
+            <a:picLocks noChangeAspect="1"/>
+          </p:cNvPicPr>
+          <p:nvPr/>
+        </p:nvPicPr>
+        <p:blipFill rotWithShape="1">
+          <a:blip r:embed="rId3"/>
+          <a:srcRect t="9778" r="3130"/>
+          <a:stretch/>
+        </p:blipFill>
+        <p:spPr>
+          <a:xfrm>
+            <a:off x="16328" y="2318084"/>
+            <a:ext cx="5040000" cy="3342207"/>
+          </a:xfrm>
+          <a:prstGeom prst="rect">
+            <a:avLst/>
+          </a:prstGeom>
+        </p:spPr>
+      </p:pic>
+      <p:pic>
+        <p:nvPicPr>
+          <p:cNvPr id="6" name="Imagem 5">
+            <a:extLst>
+              <a:ext uri="{FF2B5EF4-FFF2-40B4-BE49-F238E27FC236}">
+                <a16:creationId xmlns:a16="http://schemas.microsoft.com/office/drawing/2014/main" id="{0645F40C-CE2A-FE26-A69B-990EC4B1A406}"/>
+              </a:ext>
+            </a:extLst>
+          </p:cNvPr>
+          <p:cNvPicPr>
+            <a:picLocks noChangeAspect="1"/>
+          </p:cNvPicPr>
+          <p:nvPr/>
+        </p:nvPicPr>
+        <p:blipFill rotWithShape="1">
+          <a:blip r:embed="rId4"/>
+          <a:srcRect l="-34" t="8243" r="3164" b="1536"/>
+          <a:stretch/>
+        </p:blipFill>
+        <p:spPr>
+          <a:xfrm>
+            <a:off x="5040625" y="2227631"/>
+            <a:ext cx="5040000" cy="3342208"/>
+          </a:xfrm>
+          <a:prstGeom prst="rect">
+            <a:avLst/>
+          </a:prstGeom>
+        </p:spPr>
+      </p:pic>
+      <p:pic>
+        <p:nvPicPr>
+          <p:cNvPr id="10" name="Imagem 9">
+            <a:extLst>
+              <a:ext uri="{FF2B5EF4-FFF2-40B4-BE49-F238E27FC236}">
+                <a16:creationId xmlns:a16="http://schemas.microsoft.com/office/drawing/2014/main" id="{C7C33573-DB82-9299-0170-1DB4BDCCD5E1}"/>
+              </a:ext>
+            </a:extLst>
+          </p:cNvPr>
+          <p:cNvPicPr>
+            <a:picLocks noChangeAspect="1"/>
+          </p:cNvPicPr>
+          <p:nvPr/>
+        </p:nvPicPr>
+        <p:blipFill>
+          <a:blip r:embed="rId5"/>
+          <a:stretch>
+            <a:fillRect/>
+          </a:stretch>
+        </p:blipFill>
+        <p:spPr>
+          <a:xfrm>
+            <a:off x="2121299" y="1093379"/>
+            <a:ext cx="5745265" cy="923199"/>
+          </a:xfrm>
+          <a:prstGeom prst="rect">
+            <a:avLst/>
+          </a:prstGeom>
+        </p:spPr>
+      </p:pic>
+      <p:sp>
+        <p:nvSpPr>
+          <p:cNvPr id="11" name="CaixaDeTexto 10">
+            <a:extLst>
+              <a:ext uri="{FF2B5EF4-FFF2-40B4-BE49-F238E27FC236}">
+                <a16:creationId xmlns:a16="http://schemas.microsoft.com/office/drawing/2014/main" id="{BF3A9F55-70C7-141F-6F3B-8DDC3785475A}"/>
+              </a:ext>
+            </a:extLst>
+          </p:cNvPr>
+          <p:cNvSpPr txBox="1"/>
+          <p:nvPr/>
+        </p:nvSpPr>
+        <p:spPr>
+          <a:xfrm>
+            <a:off x="7476197" y="2044756"/>
+            <a:ext cx="736164" cy="369332"/>
+          </a:xfrm>
+          <a:prstGeom prst="rect">
+            <a:avLst/>
+          </a:prstGeom>
+          <a:noFill/>
+        </p:spPr>
+        <p:txBody>
+          <a:bodyPr wrap="none" rtlCol="0">
+            <a:spAutoFit/>
+          </a:bodyPr>
+          <a:lstStyle/>
+          <a:p>
+            <a:r>
+              <a:rPr lang="en-US" dirty="0"/>
+              <a:t>Teste</a:t>
+            </a:r>
+          </a:p>
+        </p:txBody>
+      </p:sp>
+      <p:sp>
+        <p:nvSpPr>
+          <p:cNvPr id="12" name="CaixaDeTexto 11">
+            <a:extLst>
+              <a:ext uri="{FF2B5EF4-FFF2-40B4-BE49-F238E27FC236}">
+                <a16:creationId xmlns:a16="http://schemas.microsoft.com/office/drawing/2014/main" id="{ECFF2613-70BD-9ACB-19BF-A412EE1946E1}"/>
+              </a:ext>
+            </a:extLst>
+          </p:cNvPr>
+          <p:cNvSpPr txBox="1"/>
+          <p:nvPr/>
+        </p:nvSpPr>
+        <p:spPr>
+          <a:xfrm>
+            <a:off x="2027854" y="2044756"/>
+            <a:ext cx="930728" cy="369332"/>
+          </a:xfrm>
+          <a:prstGeom prst="rect">
+            <a:avLst/>
+          </a:prstGeom>
+          <a:noFill/>
+        </p:spPr>
+        <p:txBody>
+          <a:bodyPr wrap="square">
+            <a:spAutoFit/>
+          </a:bodyPr>
+          <a:lstStyle/>
+          <a:p>
+            <a:r>
+              <a:rPr lang="en-US" dirty="0" err="1"/>
+              <a:t>Treino</a:t>
+            </a:r>
+            <a:endParaRPr lang="en-US" dirty="0"/>
           </a:p>
         </p:txBody>
       </p:sp>
     </p:spTree>
     <p:extLst>
       <p:ext uri="{BB962C8B-B14F-4D97-AF65-F5344CB8AC3E}">
-        <p14:creationId xmlns:p14="http://schemas.microsoft.com/office/powerpoint/2010/main" val="4119370978"/>
+        <p14:creationId xmlns:p14="http://schemas.microsoft.com/office/powerpoint/2010/main" val="3047984056"/>
       </p:ext>
     </p:extLst>
   </p:cSld>
@@ -5188,25 +5893,237 @@
               </a:spcAft>
             </a:pPr>
             <a:r>
-              <a:rPr lang="pt-BR" sz="2800" b="1" strike="noStrike" spc="-1" dirty="0">
+              <a:rPr lang="pt-BR" sz="2800" b="1" spc="-1" dirty="0">
                 <a:solidFill>
                   <a:srgbClr val="000000"/>
                 </a:solidFill>
                 <a:latin typeface="Arial"/>
-                <a:ea typeface="DejaVu Sans"/>
-              </a:rPr>
-              <a:t>KNN</a:t>
+              </a:rPr>
+              <a:t>Redes Neurais</a:t>
             </a:r>
             <a:endParaRPr lang="pt-BR" sz="2800" b="0" strike="noStrike" spc="-1" dirty="0">
               <a:latin typeface="Arial"/>
             </a:endParaRPr>
+          </a:p>
+        </p:txBody>
+      </p:sp>
+      <p:sp>
+        <p:nvSpPr>
+          <p:cNvPr id="2" name="CaixaDeTexto 1">
+            <a:extLst>
+              <a:ext uri="{FF2B5EF4-FFF2-40B4-BE49-F238E27FC236}">
+                <a16:creationId xmlns:a16="http://schemas.microsoft.com/office/drawing/2014/main" id="{8BE3FEE7-ABB3-81DB-297F-6A2F9A6D0785}"/>
+              </a:ext>
+            </a:extLst>
+          </p:cNvPr>
+          <p:cNvSpPr txBox="1"/>
+          <p:nvPr/>
+        </p:nvSpPr>
+        <p:spPr>
+          <a:xfrm>
+            <a:off x="269421" y="751748"/>
+            <a:ext cx="5045528" cy="341632"/>
+          </a:xfrm>
+          <a:prstGeom prst="rect">
+            <a:avLst/>
+          </a:prstGeom>
+          <a:noFill/>
+        </p:spPr>
+        <p:txBody>
+          <a:bodyPr wrap="square">
+            <a:spAutoFit/>
+          </a:bodyPr>
+          <a:lstStyle/>
+          <a:p>
+            <a:pPr marL="59040">
+              <a:lnSpc>
+                <a:spcPct val="90000"/>
+              </a:lnSpc>
+              <a:spcAft>
+                <a:spcPts val="601"/>
+              </a:spcAft>
+              <a:buClr>
+                <a:srgbClr val="000000"/>
+              </a:buClr>
+              <a:tabLst>
+                <a:tab pos="408240" algn="l"/>
+              </a:tabLst>
+            </a:pPr>
+            <a:r>
+              <a:rPr lang="pt-BR" sz="1800" b="1" spc="-1" dirty="0">
+                <a:solidFill>
+                  <a:srgbClr val="000000"/>
+                </a:solidFill>
+                <a:latin typeface="Arial"/>
+              </a:rPr>
+              <a:t>Execução com 10% da amostra</a:t>
+            </a:r>
+          </a:p>
+        </p:txBody>
+      </p:sp>
+      <p:pic>
+        <p:nvPicPr>
+          <p:cNvPr id="4" name="Imagem 3">
+            <a:extLst>
+              <a:ext uri="{FF2B5EF4-FFF2-40B4-BE49-F238E27FC236}">
+                <a16:creationId xmlns:a16="http://schemas.microsoft.com/office/drawing/2014/main" id="{12E4F62F-B45D-E7FD-B168-4001F6EA2F20}"/>
+              </a:ext>
+            </a:extLst>
+          </p:cNvPr>
+          <p:cNvPicPr>
+            <a:picLocks noChangeAspect="1"/>
+          </p:cNvPicPr>
+          <p:nvPr/>
+        </p:nvPicPr>
+        <p:blipFill rotWithShape="1">
+          <a:blip r:embed="rId3"/>
+          <a:srcRect t="10959" r="2002"/>
+          <a:stretch/>
+        </p:blipFill>
+        <p:spPr>
+          <a:xfrm>
+            <a:off x="5040625" y="2425004"/>
+            <a:ext cx="5040000" cy="3260507"/>
+          </a:xfrm>
+          <a:prstGeom prst="rect">
+            <a:avLst/>
+          </a:prstGeom>
+        </p:spPr>
+      </p:pic>
+      <p:pic>
+        <p:nvPicPr>
+          <p:cNvPr id="6" name="Imagem 5">
+            <a:extLst>
+              <a:ext uri="{FF2B5EF4-FFF2-40B4-BE49-F238E27FC236}">
+                <a16:creationId xmlns:a16="http://schemas.microsoft.com/office/drawing/2014/main" id="{B32CC103-4E9A-40FB-7B27-F018B571E50C}"/>
+              </a:ext>
+            </a:extLst>
+          </p:cNvPr>
+          <p:cNvPicPr>
+            <a:picLocks noChangeAspect="1"/>
+          </p:cNvPicPr>
+          <p:nvPr/>
+        </p:nvPicPr>
+        <p:blipFill rotWithShape="1">
+          <a:blip r:embed="rId4"/>
+          <a:srcRect t="10510" r="3283"/>
+          <a:stretch/>
+        </p:blipFill>
+        <p:spPr>
+          <a:xfrm>
+            <a:off x="-540" y="2395082"/>
+            <a:ext cx="5040000" cy="3320349"/>
+          </a:xfrm>
+          <a:prstGeom prst="rect">
+            <a:avLst/>
+          </a:prstGeom>
+        </p:spPr>
+      </p:pic>
+      <p:pic>
+        <p:nvPicPr>
+          <p:cNvPr id="8" name="Imagem 7">
+            <a:extLst>
+              <a:ext uri="{FF2B5EF4-FFF2-40B4-BE49-F238E27FC236}">
+                <a16:creationId xmlns:a16="http://schemas.microsoft.com/office/drawing/2014/main" id="{E4292F02-9115-92CA-1C7B-E3DD525D4F0C}"/>
+              </a:ext>
+            </a:extLst>
+          </p:cNvPr>
+          <p:cNvPicPr>
+            <a:picLocks noChangeAspect="1"/>
+          </p:cNvPicPr>
+          <p:nvPr/>
+        </p:nvPicPr>
+        <p:blipFill>
+          <a:blip r:embed="rId5"/>
+          <a:stretch>
+            <a:fillRect/>
+          </a:stretch>
+        </p:blipFill>
+        <p:spPr>
+          <a:xfrm>
+            <a:off x="1642702" y="1071722"/>
+            <a:ext cx="6793516" cy="931302"/>
+          </a:xfrm>
+          <a:prstGeom prst="rect">
+            <a:avLst/>
+          </a:prstGeom>
+        </p:spPr>
+      </p:pic>
+      <p:sp>
+        <p:nvSpPr>
+          <p:cNvPr id="9" name="CaixaDeTexto 8">
+            <a:extLst>
+              <a:ext uri="{FF2B5EF4-FFF2-40B4-BE49-F238E27FC236}">
+                <a16:creationId xmlns:a16="http://schemas.microsoft.com/office/drawing/2014/main" id="{EA2BAAEB-3B2F-6960-FAE4-446A9FCBBE93}"/>
+              </a:ext>
+            </a:extLst>
+          </p:cNvPr>
+          <p:cNvSpPr txBox="1"/>
+          <p:nvPr/>
+        </p:nvSpPr>
+        <p:spPr>
+          <a:xfrm>
+            <a:off x="7476197" y="2044756"/>
+            <a:ext cx="736164" cy="369332"/>
+          </a:xfrm>
+          <a:prstGeom prst="rect">
+            <a:avLst/>
+          </a:prstGeom>
+          <a:noFill/>
+        </p:spPr>
+        <p:txBody>
+          <a:bodyPr wrap="none" rtlCol="0">
+            <a:spAutoFit/>
+          </a:bodyPr>
+          <a:lstStyle/>
+          <a:p>
+            <a:r>
+              <a:rPr lang="en-US" dirty="0"/>
+              <a:t>Teste</a:t>
+            </a:r>
+          </a:p>
+        </p:txBody>
+      </p:sp>
+      <p:sp>
+        <p:nvSpPr>
+          <p:cNvPr id="10" name="CaixaDeTexto 9">
+            <a:extLst>
+              <a:ext uri="{FF2B5EF4-FFF2-40B4-BE49-F238E27FC236}">
+                <a16:creationId xmlns:a16="http://schemas.microsoft.com/office/drawing/2014/main" id="{DEAE3D0A-FD48-5C92-63A4-B608AA196A75}"/>
+              </a:ext>
+            </a:extLst>
+          </p:cNvPr>
+          <p:cNvSpPr txBox="1"/>
+          <p:nvPr/>
+        </p:nvSpPr>
+        <p:spPr>
+          <a:xfrm>
+            <a:off x="2027854" y="2044756"/>
+            <a:ext cx="930728" cy="369332"/>
+          </a:xfrm>
+          <a:prstGeom prst="rect">
+            <a:avLst/>
+          </a:prstGeom>
+          <a:noFill/>
+        </p:spPr>
+        <p:txBody>
+          <a:bodyPr wrap="square">
+            <a:spAutoFit/>
+          </a:bodyPr>
+          <a:lstStyle/>
+          <a:p>
+            <a:r>
+              <a:rPr lang="en-US" dirty="0" err="1"/>
+              <a:t>Treino</a:t>
+            </a:r>
+            <a:endParaRPr lang="en-US" dirty="0"/>
           </a:p>
         </p:txBody>
       </p:sp>
     </p:spTree>
     <p:extLst>
       <p:ext uri="{BB962C8B-B14F-4D97-AF65-F5344CB8AC3E}">
-        <p14:creationId xmlns:p14="http://schemas.microsoft.com/office/powerpoint/2010/main" val="3047984056"/>
+        <p14:creationId xmlns:p14="http://schemas.microsoft.com/office/powerpoint/2010/main" val="1887528362"/>
       </p:ext>
     </p:extLst>
   </p:cSld>
@@ -5279,24 +6196,248 @@
               </a:spcAft>
             </a:pPr>
             <a:r>
-              <a:rPr lang="pt-BR" sz="2800" b="1" spc="-1" dirty="0">
+              <a:rPr lang="pt-BR" sz="2800" b="1" strike="noStrike" spc="-1" dirty="0">
                 <a:solidFill>
                   <a:srgbClr val="000000"/>
                 </a:solidFill>
                 <a:latin typeface="Arial"/>
-              </a:rPr>
-              <a:t>Redes Neurais</a:t>
+                <a:ea typeface="DejaVu Sans"/>
+              </a:rPr>
+              <a:t>Redes Neurais </a:t>
+            </a:r>
+            <a:r>
+              <a:rPr lang="pt-BR" sz="2800" b="1" strike="noStrike" spc="-1" dirty="0" err="1">
+                <a:solidFill>
+                  <a:srgbClr val="000000"/>
+                </a:solidFill>
+                <a:latin typeface="Arial"/>
+                <a:ea typeface="DejaVu Sans"/>
+              </a:rPr>
+              <a:t>Convulacionais</a:t>
             </a:r>
             <a:endParaRPr lang="pt-BR" sz="2800" b="0" strike="noStrike" spc="-1" dirty="0">
               <a:latin typeface="Arial"/>
             </a:endParaRPr>
+          </a:p>
+        </p:txBody>
+      </p:sp>
+      <p:sp>
+        <p:nvSpPr>
+          <p:cNvPr id="2" name="CaixaDeTexto 1">
+            <a:extLst>
+              <a:ext uri="{FF2B5EF4-FFF2-40B4-BE49-F238E27FC236}">
+                <a16:creationId xmlns:a16="http://schemas.microsoft.com/office/drawing/2014/main" id="{4AC478AF-25D1-EADC-A01A-D9277312E718}"/>
+              </a:ext>
+            </a:extLst>
+          </p:cNvPr>
+          <p:cNvSpPr txBox="1"/>
+          <p:nvPr/>
+        </p:nvSpPr>
+        <p:spPr>
+          <a:xfrm>
+            <a:off x="269421" y="751748"/>
+            <a:ext cx="5045528" cy="341632"/>
+          </a:xfrm>
+          <a:prstGeom prst="rect">
+            <a:avLst/>
+          </a:prstGeom>
+          <a:noFill/>
+        </p:spPr>
+        <p:txBody>
+          <a:bodyPr wrap="square">
+            <a:spAutoFit/>
+          </a:bodyPr>
+          <a:lstStyle/>
+          <a:p>
+            <a:pPr marL="59040">
+              <a:lnSpc>
+                <a:spcPct val="90000"/>
+              </a:lnSpc>
+              <a:spcAft>
+                <a:spcPts val="601"/>
+              </a:spcAft>
+              <a:buClr>
+                <a:srgbClr val="000000"/>
+              </a:buClr>
+              <a:tabLst>
+                <a:tab pos="408240" algn="l"/>
+              </a:tabLst>
+            </a:pPr>
+            <a:r>
+              <a:rPr lang="pt-BR" sz="1800" b="1" spc="-1" dirty="0">
+                <a:solidFill>
+                  <a:srgbClr val="000000"/>
+                </a:solidFill>
+                <a:latin typeface="Arial"/>
+              </a:rPr>
+              <a:t>Execução com 10% da amostra</a:t>
+            </a:r>
+          </a:p>
+        </p:txBody>
+      </p:sp>
+      <p:pic>
+        <p:nvPicPr>
+          <p:cNvPr id="4" name="Imagem 3">
+            <a:extLst>
+              <a:ext uri="{FF2B5EF4-FFF2-40B4-BE49-F238E27FC236}">
+                <a16:creationId xmlns:a16="http://schemas.microsoft.com/office/drawing/2014/main" id="{E38D90F3-DEF8-B024-4313-FB0EA7FDC61B}"/>
+              </a:ext>
+            </a:extLst>
+          </p:cNvPr>
+          <p:cNvPicPr>
+            <a:picLocks noChangeAspect="1"/>
+          </p:cNvPicPr>
+          <p:nvPr/>
+        </p:nvPicPr>
+        <p:blipFill>
+          <a:blip r:embed="rId3"/>
+          <a:stretch>
+            <a:fillRect/>
+          </a:stretch>
+        </p:blipFill>
+        <p:spPr>
+          <a:xfrm>
+            <a:off x="2574582" y="1093379"/>
+            <a:ext cx="5045528" cy="846741"/>
+          </a:xfrm>
+          <a:prstGeom prst="rect">
+            <a:avLst/>
+          </a:prstGeom>
+        </p:spPr>
+      </p:pic>
+      <p:pic>
+        <p:nvPicPr>
+          <p:cNvPr id="6" name="Imagem 5">
+            <a:extLst>
+              <a:ext uri="{FF2B5EF4-FFF2-40B4-BE49-F238E27FC236}">
+                <a16:creationId xmlns:a16="http://schemas.microsoft.com/office/drawing/2014/main" id="{AE721BD0-37F6-4A37-FA3C-58699973A0E7}"/>
+              </a:ext>
+            </a:extLst>
+          </p:cNvPr>
+          <p:cNvPicPr>
+            <a:picLocks noChangeAspect="1"/>
+          </p:cNvPicPr>
+          <p:nvPr/>
+        </p:nvPicPr>
+        <p:blipFill rotWithShape="1">
+          <a:blip r:embed="rId4"/>
+          <a:srcRect t="9975" r="2648"/>
+          <a:stretch/>
+        </p:blipFill>
+        <p:spPr>
+          <a:xfrm>
+            <a:off x="5038920" y="2352157"/>
+            <a:ext cx="5040000" cy="3318393"/>
+          </a:xfrm>
+          <a:prstGeom prst="rect">
+            <a:avLst/>
+          </a:prstGeom>
+        </p:spPr>
+      </p:pic>
+      <p:pic>
+        <p:nvPicPr>
+          <p:cNvPr id="8" name="Imagem 7">
+            <a:extLst>
+              <a:ext uri="{FF2B5EF4-FFF2-40B4-BE49-F238E27FC236}">
+                <a16:creationId xmlns:a16="http://schemas.microsoft.com/office/drawing/2014/main" id="{74B8FB38-2DAE-5D4A-A08D-B555F43CF408}"/>
+              </a:ext>
+            </a:extLst>
+          </p:cNvPr>
+          <p:cNvPicPr>
+            <a:picLocks noChangeAspect="1"/>
+          </p:cNvPicPr>
+          <p:nvPr/>
+        </p:nvPicPr>
+        <p:blipFill rotWithShape="1">
+          <a:blip r:embed="rId5"/>
+          <a:srcRect t="10625" r="3151"/>
+          <a:stretch/>
+        </p:blipFill>
+        <p:spPr>
+          <a:xfrm>
+            <a:off x="0" y="2352157"/>
+            <a:ext cx="5040000" cy="3311541"/>
+          </a:xfrm>
+          <a:prstGeom prst="rect">
+            <a:avLst/>
+          </a:prstGeom>
+        </p:spPr>
+      </p:pic>
+      <p:sp>
+        <p:nvSpPr>
+          <p:cNvPr id="9" name="CaixaDeTexto 8">
+            <a:extLst>
+              <a:ext uri="{FF2B5EF4-FFF2-40B4-BE49-F238E27FC236}">
+                <a16:creationId xmlns:a16="http://schemas.microsoft.com/office/drawing/2014/main" id="{FD6FF351-75DF-87A8-5F79-C22A4A9C7048}"/>
+              </a:ext>
+            </a:extLst>
+          </p:cNvPr>
+          <p:cNvSpPr txBox="1"/>
+          <p:nvPr/>
+        </p:nvSpPr>
+        <p:spPr>
+          <a:xfrm>
+            <a:off x="7476197" y="2044756"/>
+            <a:ext cx="736164" cy="369332"/>
+          </a:xfrm>
+          <a:prstGeom prst="rect">
+            <a:avLst/>
+          </a:prstGeom>
+          <a:noFill/>
+        </p:spPr>
+        <p:txBody>
+          <a:bodyPr wrap="none" rtlCol="0">
+            <a:spAutoFit/>
+          </a:bodyPr>
+          <a:lstStyle/>
+          <a:p>
+            <a:r>
+              <a:rPr lang="en-US" dirty="0"/>
+              <a:t>Teste</a:t>
+            </a:r>
+          </a:p>
+        </p:txBody>
+      </p:sp>
+      <p:sp>
+        <p:nvSpPr>
+          <p:cNvPr id="10" name="CaixaDeTexto 9">
+            <a:extLst>
+              <a:ext uri="{FF2B5EF4-FFF2-40B4-BE49-F238E27FC236}">
+                <a16:creationId xmlns:a16="http://schemas.microsoft.com/office/drawing/2014/main" id="{C8E6C621-0D49-B50A-C19A-C9D55DFC8974}"/>
+              </a:ext>
+            </a:extLst>
+          </p:cNvPr>
+          <p:cNvSpPr txBox="1"/>
+          <p:nvPr/>
+        </p:nvSpPr>
+        <p:spPr>
+          <a:xfrm>
+            <a:off x="2027854" y="2044756"/>
+            <a:ext cx="930728" cy="369332"/>
+          </a:xfrm>
+          <a:prstGeom prst="rect">
+            <a:avLst/>
+          </a:prstGeom>
+          <a:noFill/>
+        </p:spPr>
+        <p:txBody>
+          <a:bodyPr wrap="square">
+            <a:spAutoFit/>
+          </a:bodyPr>
+          <a:lstStyle/>
+          <a:p>
+            <a:r>
+              <a:rPr lang="en-US" dirty="0" err="1"/>
+              <a:t>Treino</a:t>
+            </a:r>
+            <a:endParaRPr lang="en-US" dirty="0"/>
           </a:p>
         </p:txBody>
       </p:sp>
     </p:spTree>
     <p:extLst>
       <p:ext uri="{BB962C8B-B14F-4D97-AF65-F5344CB8AC3E}">
-        <p14:creationId xmlns:p14="http://schemas.microsoft.com/office/powerpoint/2010/main" val="1887528362"/>
+        <p14:creationId xmlns:p14="http://schemas.microsoft.com/office/powerpoint/2010/main" val="2048128097"/>
       </p:ext>
     </p:extLst>
   </p:cSld>
@@ -5325,107 +6466,6 @@
       </p:grpSpPr>
       <p:sp>
         <p:nvSpPr>
-          <p:cNvPr id="57" name="CustomShape 2"/>
-          <p:cNvSpPr/>
-          <p:nvPr/>
-        </p:nvSpPr>
-        <p:spPr>
-          <a:xfrm>
-            <a:off x="0" y="210240"/>
-            <a:ext cx="10078920" cy="461160"/>
-          </a:xfrm>
-          <a:prstGeom prst="rect">
-            <a:avLst/>
-          </a:prstGeom>
-          <a:noFill/>
-          <a:ln w="0">
-            <a:noFill/>
-          </a:ln>
-        </p:spPr>
-        <p:style>
-          <a:lnRef idx="0">
-            <a:scrgbClr r="0" g="0" b="0"/>
-          </a:lnRef>
-          <a:fillRef idx="0">
-            <a:scrgbClr r="0" g="0" b="0"/>
-          </a:fillRef>
-          <a:effectRef idx="0">
-            <a:scrgbClr r="0" g="0" b="0"/>
-          </a:effectRef>
-          <a:fontRef idx="minor"/>
-        </p:style>
-        <p:txBody>
-          <a:bodyPr lIns="90000" tIns="45000" rIns="90000" bIns="45000">
-            <a:noAutofit/>
-          </a:bodyPr>
-          <a:lstStyle/>
-          <a:p>
-            <a:pPr algn="ctr">
-              <a:lnSpc>
-                <a:spcPct val="90000"/>
-              </a:lnSpc>
-              <a:spcAft>
-                <a:spcPts val="601"/>
-              </a:spcAft>
-            </a:pPr>
-            <a:r>
-              <a:rPr lang="pt-BR" sz="2800" b="1" strike="noStrike" spc="-1" dirty="0">
-                <a:solidFill>
-                  <a:srgbClr val="000000"/>
-                </a:solidFill>
-                <a:latin typeface="Arial"/>
-                <a:ea typeface="DejaVu Sans"/>
-              </a:rPr>
-              <a:t>Redes Neurais </a:t>
-            </a:r>
-            <a:r>
-              <a:rPr lang="pt-BR" sz="2800" b="1" strike="noStrike" spc="-1" dirty="0" err="1">
-                <a:solidFill>
-                  <a:srgbClr val="000000"/>
-                </a:solidFill>
-                <a:latin typeface="Arial"/>
-                <a:ea typeface="DejaVu Sans"/>
-              </a:rPr>
-              <a:t>Convulacionais</a:t>
-            </a:r>
-            <a:endParaRPr lang="pt-BR" sz="2800" b="0" strike="noStrike" spc="-1" dirty="0">
-              <a:latin typeface="Arial"/>
-            </a:endParaRPr>
-          </a:p>
-        </p:txBody>
-      </p:sp>
-    </p:spTree>
-    <p:extLst>
-      <p:ext uri="{BB962C8B-B14F-4D97-AF65-F5344CB8AC3E}">
-        <p14:creationId xmlns:p14="http://schemas.microsoft.com/office/powerpoint/2010/main" val="2048128097"/>
-      </p:ext>
-    </p:extLst>
-  </p:cSld>
-  <p:clrMapOvr>
-    <a:masterClrMapping/>
-  </p:clrMapOvr>
-</p:sld>
-</file>
-
-<file path=ppt/slides/slide18.xml><?xml version="1.0" encoding="utf-8"?>
-<p:sld xmlns:a="http://schemas.openxmlformats.org/drawingml/2006/main" xmlns:r="http://schemas.openxmlformats.org/officeDocument/2006/relationships" xmlns:p="http://schemas.openxmlformats.org/presentationml/2006/main">
-  <p:cSld>
-    <p:spTree>
-      <p:nvGrpSpPr>
-        <p:cNvPr id="1" name=""/>
-        <p:cNvGrpSpPr/>
-        <p:nvPr/>
-      </p:nvGrpSpPr>
-      <p:grpSpPr>
-        <a:xfrm>
-          <a:off x="0" y="0"/>
-          <a:ext cx="0" cy="0"/>
-          <a:chOff x="0" y="0"/>
-          <a:chExt cx="0" cy="0"/>
-        </a:xfrm>
-      </p:grpSpPr>
-      <p:sp>
-        <p:nvSpPr>
           <p:cNvPr id="217" name="CustomShape 1"/>
           <p:cNvSpPr/>
           <p:nvPr/>
@@ -5744,8 +6784,8 @@
         </p:blipFill>
         <p:spPr>
           <a:xfrm>
-            <a:off x="6767280" y="2880000"/>
-            <a:ext cx="2591280" cy="2591280"/>
+            <a:off x="8043182" y="3633107"/>
+            <a:ext cx="2037443" cy="2037443"/>
           </a:xfrm>
           <a:prstGeom prst="rect">
             <a:avLst/>
@@ -5763,7 +6803,7 @@
 </p:sld>
 </file>
 
-<file path=ppt/slides/slide19.xml><?xml version="1.0" encoding="utf-8"?>
+<file path=ppt/slides/slide18.xml><?xml version="1.0" encoding="utf-8"?>
 <p:sld xmlns:a="http://schemas.openxmlformats.org/drawingml/2006/main" xmlns:r="http://schemas.openxmlformats.org/officeDocument/2006/relationships" xmlns:p="http://schemas.openxmlformats.org/presentationml/2006/main">
   <p:cSld>
     <p:spTree>
@@ -10297,21 +11337,108 @@
                 <a:latin typeface="Arial"/>
                 <a:ea typeface="DejaVu Sans"/>
               </a:rPr>
-              <a:t>Classe </a:t>
-            </a:r>
-            <a:r>
-              <a:rPr lang="pt-BR" sz="2800" b="1" strike="noStrike" spc="-1" dirty="0" err="1">
-                <a:solidFill>
-                  <a:srgbClr val="000000"/>
-                </a:solidFill>
-                <a:latin typeface="Arial"/>
-                <a:ea typeface="DejaVu Sans"/>
-              </a:rPr>
-              <a:t>majoritaria</a:t>
+              <a:t>Classe majoritária</a:t>
             </a:r>
             <a:endParaRPr lang="pt-BR" sz="2800" b="0" strike="noStrike" spc="-1" dirty="0">
               <a:latin typeface="Arial"/>
             </a:endParaRPr>
+          </a:p>
+        </p:txBody>
+      </p:sp>
+      <p:pic>
+        <p:nvPicPr>
+          <p:cNvPr id="3" name="Imagem 2">
+            <a:extLst>
+              <a:ext uri="{FF2B5EF4-FFF2-40B4-BE49-F238E27FC236}">
+                <a16:creationId xmlns:a16="http://schemas.microsoft.com/office/drawing/2014/main" id="{837533A0-309C-339A-1EE8-31A9106FF7C6}"/>
+              </a:ext>
+            </a:extLst>
+          </p:cNvPr>
+          <p:cNvPicPr>
+            <a:picLocks noChangeAspect="1"/>
+          </p:cNvPicPr>
+          <p:nvPr/>
+        </p:nvPicPr>
+        <p:blipFill rotWithShape="1">
+          <a:blip r:embed="rId3"/>
+          <a:srcRect t="8846"/>
+          <a:stretch/>
+        </p:blipFill>
+        <p:spPr>
+          <a:xfrm>
+            <a:off x="2104100" y="856066"/>
+            <a:ext cx="5864243" cy="995542"/>
+          </a:xfrm>
+          <a:prstGeom prst="rect">
+            <a:avLst/>
+          </a:prstGeom>
+        </p:spPr>
+      </p:pic>
+      <p:pic>
+        <p:nvPicPr>
+          <p:cNvPr id="7" name="Imagem 6">
+            <a:extLst>
+              <a:ext uri="{FF2B5EF4-FFF2-40B4-BE49-F238E27FC236}">
+                <a16:creationId xmlns:a16="http://schemas.microsoft.com/office/drawing/2014/main" id="{4DC427DE-7C24-A228-1318-0CFCB3FE603E}"/>
+              </a:ext>
+            </a:extLst>
+          </p:cNvPr>
+          <p:cNvPicPr>
+            <a:picLocks noChangeAspect="1"/>
+          </p:cNvPicPr>
+          <p:nvPr/>
+        </p:nvPicPr>
+        <p:blipFill rotWithShape="1">
+          <a:blip r:embed="rId4"/>
+          <a:srcRect t="17087"/>
+          <a:stretch/>
+        </p:blipFill>
+        <p:spPr>
+          <a:xfrm>
+            <a:off x="1170246" y="2196447"/>
+            <a:ext cx="7399275" cy="3474103"/>
+          </a:xfrm>
+          <a:prstGeom prst="rect">
+            <a:avLst/>
+          </a:prstGeom>
+        </p:spPr>
+      </p:pic>
+      <p:sp>
+        <p:nvSpPr>
+          <p:cNvPr id="2" name="CaixaDeTexto 1">
+            <a:extLst>
+              <a:ext uri="{FF2B5EF4-FFF2-40B4-BE49-F238E27FC236}">
+                <a16:creationId xmlns:a16="http://schemas.microsoft.com/office/drawing/2014/main" id="{0A690EFB-BB5F-FEE5-8AE3-0AEF3C3863A1}"/>
+              </a:ext>
+            </a:extLst>
+          </p:cNvPr>
+          <p:cNvSpPr txBox="1"/>
+          <p:nvPr/>
+        </p:nvSpPr>
+        <p:spPr>
+          <a:xfrm>
+            <a:off x="3526971" y="1851608"/>
+            <a:ext cx="1640321" cy="369332"/>
+          </a:xfrm>
+          <a:prstGeom prst="rect">
+            <a:avLst/>
+          </a:prstGeom>
+          <a:noFill/>
+        </p:spPr>
+        <p:txBody>
+          <a:bodyPr wrap="none" rtlCol="0">
+            <a:spAutoFit/>
+          </a:bodyPr>
+          <a:lstStyle/>
+          <a:p>
+            <a:r>
+              <a:rPr lang="en-US" dirty="0" err="1"/>
+              <a:t>Treino</a:t>
+            </a:r>
+            <a:r>
+              <a:rPr lang="en-US" dirty="0"/>
+              <a:t> = Teste</a:t>
+            </a:r>
           </a:p>
         </p:txBody>
       </p:sp>
